--- a/Database Administrator/Module4-Data Sources and Databases/4.3-Selecting the Right Database Tool SQL and NoSQL Strategies(2th-4p)/Database tool.pptx
+++ b/Database Administrator/Module4-Data Sources and Databases/4.3-Selecting the Right Database Tool SQL and NoSQL Strategies(2th-4p)/Database tool.pptx
@@ -175,14 +175,6 @@
           <pc:docMk/>
           <pc:sldMk cId="1248854694" sldId="262"/>
         </pc:sldMkLst>
-        <pc:spChg chg="mod">
-          <ac:chgData name="Krishna Kant Dubey" userId="cd28fa1e1902c48d" providerId="LiveId" clId="{FBF00799-624A-465B-9741-232D1B418C6C}" dt="2025-08-04T12:13:57.474" v="55" actId="14100"/>
-          <ac:spMkLst>
-            <pc:docMk/>
-            <pc:sldMk cId="1248854694" sldId="262"/>
-            <ac:spMk id="4" creationId="{2DC93587-953D-FBE6-A4B6-5060E75B821F}"/>
-          </ac:spMkLst>
-        </pc:spChg>
         <pc:spChg chg="mod">
           <ac:chgData name="Krishna Kant Dubey" userId="cd28fa1e1902c48d" providerId="LiveId" clId="{FBF00799-624A-465B-9741-232D1B418C6C}" dt="2025-08-04T12:16:00.525" v="63" actId="207"/>
           <ac:spMkLst>
@@ -381,7 +373,7 @@
   <pc:docChgLst>
     <pc:chgData name="Krishna Kant Dubey" userId="cd28fa1e1902c48d" providerId="LiveId" clId="{2D1B2E79-9D7A-4EB1-808D-37486EEE87D0}"/>
     <pc:docChg chg="undo custSel modSld">
-      <pc:chgData name="Krishna Kant Dubey" userId="cd28fa1e1902c48d" providerId="LiveId" clId="{2D1B2E79-9D7A-4EB1-808D-37486EEE87D0}" dt="2025-08-05T14:01:58.676" v="197" actId="478"/>
+      <pc:chgData name="Krishna Kant Dubey" userId="cd28fa1e1902c48d" providerId="LiveId" clId="{2D1B2E79-9D7A-4EB1-808D-37486EEE87D0}" dt="2025-08-11T06:10:37.626" v="198"/>
       <pc:docMkLst>
         <pc:docMk/>
       </pc:docMkLst>
@@ -399,6 +391,21 @@
             <ac:spMk id="12" creationId="{941B6D05-14FE-733C-BADE-E07A8CDD1589}"/>
           </ac:spMkLst>
         </pc:spChg>
+      </pc:sldChg>
+      <pc:sldChg chg="addSp modSp">
+        <pc:chgData name="Krishna Kant Dubey" userId="cd28fa1e1902c48d" providerId="LiveId" clId="{2D1B2E79-9D7A-4EB1-808D-37486EEE87D0}" dt="2025-08-11T06:10:37.626" v="198"/>
+        <pc:sldMkLst>
+          <pc:docMk/>
+          <pc:sldMk cId="2381247086" sldId="257"/>
+        </pc:sldMkLst>
+        <pc:picChg chg="add mod">
+          <ac:chgData name="Krishna Kant Dubey" userId="cd28fa1e1902c48d" providerId="LiveId" clId="{2D1B2E79-9D7A-4EB1-808D-37486EEE87D0}" dt="2025-08-11T06:10:37.626" v="198"/>
+          <ac:picMkLst>
+            <pc:docMk/>
+            <pc:sldMk cId="2381247086" sldId="257"/>
+            <ac:picMk id="3" creationId="{49D86A38-3EE8-3EE8-6AF2-C0DB66DB3443}"/>
+          </ac:picMkLst>
+        </pc:picChg>
       </pc:sldChg>
       <pc:sldChg chg="modSp mod">
         <pc:chgData name="Krishna Kant Dubey" userId="cd28fa1e1902c48d" providerId="LiveId" clId="{2D1B2E79-9D7A-4EB1-808D-37486EEE87D0}" dt="2025-08-05T11:23:55.188" v="21" actId="113"/>
@@ -429,14 +436,6 @@
             <ac:spMk id="2" creationId="{8FB604A4-D687-2C4C-32B9-200BFDD9E2B7}"/>
           </ac:spMkLst>
         </pc:spChg>
-        <pc:spChg chg="del">
-          <ac:chgData name="Krishna Kant Dubey" userId="cd28fa1e1902c48d" providerId="LiveId" clId="{2D1B2E79-9D7A-4EB1-808D-37486EEE87D0}" dt="2025-08-05T11:26:46.909" v="36"/>
-          <ac:spMkLst>
-            <pc:docMk/>
-            <pc:sldMk cId="1248854694" sldId="262"/>
-            <ac:spMk id="4" creationId="{2DC93587-953D-FBE6-A4B6-5060E75B821F}"/>
-          </ac:spMkLst>
-        </pc:spChg>
         <pc:spChg chg="mod">
           <ac:chgData name="Krishna Kant Dubey" userId="cd28fa1e1902c48d" providerId="LiveId" clId="{2D1B2E79-9D7A-4EB1-808D-37486EEE87D0}" dt="2025-08-05T11:28:44.776" v="106" actId="20577"/>
           <ac:spMkLst>
@@ -452,22 +451,6 @@
           <pc:docMk/>
           <pc:sldMk cId="2660052111" sldId="263"/>
         </pc:sldMkLst>
-        <pc:spChg chg="add del mod">
-          <ac:chgData name="Krishna Kant Dubey" userId="cd28fa1e1902c48d" providerId="LiveId" clId="{2D1B2E79-9D7A-4EB1-808D-37486EEE87D0}" dt="2025-08-05T14:01:58.676" v="197" actId="478"/>
-          <ac:spMkLst>
-            <pc:docMk/>
-            <pc:sldMk cId="2660052111" sldId="263"/>
-            <ac:spMk id="2" creationId="{E7A91893-D27F-ED38-FB22-8A10C5E57223}"/>
-          </ac:spMkLst>
-        </pc:spChg>
-        <pc:spChg chg="add del mod">
-          <ac:chgData name="Krishna Kant Dubey" userId="cd28fa1e1902c48d" providerId="LiveId" clId="{2D1B2E79-9D7A-4EB1-808D-37486EEE87D0}" dt="2025-08-05T14:01:52.396" v="194" actId="478"/>
-          <ac:spMkLst>
-            <pc:docMk/>
-            <pc:sldMk cId="2660052111" sldId="263"/>
-            <ac:spMk id="3" creationId="{188A89B7-335B-A082-F56B-8FD99F86CC90}"/>
-          </ac:spMkLst>
-        </pc:spChg>
         <pc:spChg chg="mod">
           <ac:chgData name="Krishna Kant Dubey" userId="cd28fa1e1902c48d" providerId="LiveId" clId="{2D1B2E79-9D7A-4EB1-808D-37486EEE87D0}" dt="2025-08-05T11:32:13.866" v="135" actId="207"/>
           <ac:spMkLst>
@@ -679,14 +662,6 @@
           <pc:docMk/>
           <pc:sldMk cId="2659771405" sldId="267"/>
         </pc:sldMkLst>
-        <pc:spChg chg="mod">
-          <ac:chgData name="Krishna Kant Dubey" userId="cd28fa1e1902c48d" providerId="LiveId" clId="{D66E7EAC-AE87-492A-9EF6-5392BE37986D}" dt="2025-08-04T06:55:02.754" v="245" actId="207"/>
-          <ac:spMkLst>
-            <pc:docMk/>
-            <pc:sldMk cId="2659771405" sldId="267"/>
-            <ac:spMk id="4" creationId="{12C8A908-A7AA-70B5-4913-8527B9393A53}"/>
-          </ac:spMkLst>
-        </pc:spChg>
       </pc:sldChg>
       <pc:sldChg chg="modSp add mod">
         <pc:chgData name="Krishna Kant Dubey" userId="cd28fa1e1902c48d" providerId="LiveId" clId="{D66E7EAC-AE87-492A-9EF6-5392BE37986D}" dt="2025-08-04T06:56:36.906" v="261" actId="207"/>
@@ -694,22 +669,6 @@
           <pc:docMk/>
           <pc:sldMk cId="2252517691" sldId="268"/>
         </pc:sldMkLst>
-        <pc:spChg chg="mod">
-          <ac:chgData name="Krishna Kant Dubey" userId="cd28fa1e1902c48d" providerId="LiveId" clId="{D66E7EAC-AE87-492A-9EF6-5392BE37986D}" dt="2025-08-04T06:56:36.906" v="261" actId="207"/>
-          <ac:spMkLst>
-            <pc:docMk/>
-            <pc:sldMk cId="2252517691" sldId="268"/>
-            <ac:spMk id="4" creationId="{3CF8B775-2F0E-E6B4-EFF2-1047805F589E}"/>
-          </ac:spMkLst>
-        </pc:spChg>
-        <pc:spChg chg="mod">
-          <ac:chgData name="Krishna Kant Dubey" userId="cd28fa1e1902c48d" providerId="LiveId" clId="{D66E7EAC-AE87-492A-9EF6-5392BE37986D}" dt="2025-08-04T06:55:34.875" v="248" actId="207"/>
-          <ac:spMkLst>
-            <pc:docMk/>
-            <pc:sldMk cId="2252517691" sldId="268"/>
-            <ac:spMk id="12" creationId="{5189F8FC-E8EC-A68A-BE46-41752A8FF22C}"/>
-          </ac:spMkLst>
-        </pc:spChg>
       </pc:sldChg>
       <pc:sldChg chg="modSp add del mod">
         <pc:chgData name="Krishna Kant Dubey" userId="cd28fa1e1902c48d" providerId="LiveId" clId="{D66E7EAC-AE87-492A-9EF6-5392BE37986D}" dt="2025-08-04T06:57:36.604" v="262" actId="2696"/>
@@ -731,14 +690,6 @@
           <pc:docMk/>
           <pc:sldMk cId="1653630643" sldId="271"/>
         </pc:sldMkLst>
-        <pc:spChg chg="mod">
-          <ac:chgData name="Krishna Kant Dubey" userId="cd28fa1e1902c48d" providerId="LiveId" clId="{D66E7EAC-AE87-492A-9EF6-5392BE37986D}" dt="2025-08-04T07:03:36.473" v="269" actId="207"/>
-          <ac:spMkLst>
-            <pc:docMk/>
-            <pc:sldMk cId="1653630643" sldId="271"/>
-            <ac:spMk id="4" creationId="{EE673039-EDD5-D9E2-E6D5-47BEC4058745}"/>
-          </ac:spMkLst>
-        </pc:spChg>
       </pc:sldChg>
       <pc:sldChg chg="add del">
         <pc:chgData name="Krishna Kant Dubey" userId="cd28fa1e1902c48d" providerId="LiveId" clId="{D66E7EAC-AE87-492A-9EF6-5392BE37986D}" dt="2025-07-30T12:58:20.095" v="160" actId="2696"/>
@@ -767,22 +718,6 @@
           <pc:docMk/>
           <pc:sldMk cId="2883240827" sldId="275"/>
         </pc:sldMkLst>
-        <pc:spChg chg="del">
-          <ac:chgData name="Krishna Kant Dubey" userId="cd28fa1e1902c48d" providerId="LiveId" clId="{D66E7EAC-AE87-492A-9EF6-5392BE37986D}" dt="2025-08-04T07:04:23.313" v="270" actId="22"/>
-          <ac:spMkLst>
-            <pc:docMk/>
-            <pc:sldMk cId="2883240827" sldId="275"/>
-            <ac:spMk id="4" creationId="{618BA10D-079A-F9CD-5800-15CFAE690090}"/>
-          </ac:spMkLst>
-        </pc:spChg>
-        <pc:picChg chg="add mod ord">
-          <ac:chgData name="Krishna Kant Dubey" userId="cd28fa1e1902c48d" providerId="LiveId" clId="{D66E7EAC-AE87-492A-9EF6-5392BE37986D}" dt="2025-08-04T07:04:23.313" v="270" actId="22"/>
-          <ac:picMkLst>
-            <pc:docMk/>
-            <pc:sldMk cId="2883240827" sldId="275"/>
-            <ac:picMk id="3" creationId="{4FE5FBF3-D7FA-1FB1-E04D-CF286B4885D7}"/>
-          </ac:picMkLst>
-        </pc:picChg>
       </pc:sldChg>
       <pc:sldChg chg="modSp add mod">
         <pc:chgData name="Krishna Kant Dubey" userId="cd28fa1e1902c48d" providerId="LiveId" clId="{D66E7EAC-AE87-492A-9EF6-5392BE37986D}" dt="2025-08-04T07:05:04.542" v="275" actId="207"/>
@@ -790,14 +725,6 @@
           <pc:docMk/>
           <pc:sldMk cId="2753172050" sldId="276"/>
         </pc:sldMkLst>
-        <pc:spChg chg="mod">
-          <ac:chgData name="Krishna Kant Dubey" userId="cd28fa1e1902c48d" providerId="LiveId" clId="{D66E7EAC-AE87-492A-9EF6-5392BE37986D}" dt="2025-08-04T07:05:04.542" v="275" actId="207"/>
-          <ac:spMkLst>
-            <pc:docMk/>
-            <pc:sldMk cId="2753172050" sldId="276"/>
-            <ac:spMk id="4" creationId="{4E22CC6A-F585-A74A-63D8-9507D7F62EA6}"/>
-          </ac:spMkLst>
-        </pc:spChg>
       </pc:sldChg>
       <pc:sldChg chg="modSp add mod">
         <pc:chgData name="Krishna Kant Dubey" userId="cd28fa1e1902c48d" providerId="LiveId" clId="{D66E7EAC-AE87-492A-9EF6-5392BE37986D}" dt="2025-08-04T07:05:34.433" v="281" actId="207"/>
@@ -805,14 +732,6 @@
           <pc:docMk/>
           <pc:sldMk cId="1207225267" sldId="277"/>
         </pc:sldMkLst>
-        <pc:spChg chg="mod">
-          <ac:chgData name="Krishna Kant Dubey" userId="cd28fa1e1902c48d" providerId="LiveId" clId="{D66E7EAC-AE87-492A-9EF6-5392BE37986D}" dt="2025-08-04T07:05:34.433" v="281" actId="207"/>
-          <ac:spMkLst>
-            <pc:docMk/>
-            <pc:sldMk cId="1207225267" sldId="277"/>
-            <ac:spMk id="4" creationId="{540B9E51-C95D-F5AC-147B-B9E47E4B34F2}"/>
-          </ac:spMkLst>
-        </pc:spChg>
       </pc:sldChg>
       <pc:sldChg chg="modSp add mod">
         <pc:chgData name="Krishna Kant Dubey" userId="cd28fa1e1902c48d" providerId="LiveId" clId="{D66E7EAC-AE87-492A-9EF6-5392BE37986D}" dt="2025-08-04T07:06:08.851" v="286" actId="207"/>
@@ -820,14 +739,6 @@
           <pc:docMk/>
           <pc:sldMk cId="4225023914" sldId="278"/>
         </pc:sldMkLst>
-        <pc:spChg chg="mod">
-          <ac:chgData name="Krishna Kant Dubey" userId="cd28fa1e1902c48d" providerId="LiveId" clId="{D66E7EAC-AE87-492A-9EF6-5392BE37986D}" dt="2025-08-04T07:06:08.851" v="286" actId="207"/>
-          <ac:spMkLst>
-            <pc:docMk/>
-            <pc:sldMk cId="4225023914" sldId="278"/>
-            <ac:spMk id="4" creationId="{594E6F41-16FA-0E1F-3A4B-A560EEE01275}"/>
-          </ac:spMkLst>
-        </pc:spChg>
       </pc:sldChg>
       <pc:sldChg chg="modSp add mod">
         <pc:chgData name="Krishna Kant Dubey" userId="cd28fa1e1902c48d" providerId="LiveId" clId="{D66E7EAC-AE87-492A-9EF6-5392BE37986D}" dt="2025-08-04T07:13:19.506" v="290" actId="207"/>
@@ -835,14 +746,6 @@
           <pc:docMk/>
           <pc:sldMk cId="252878519" sldId="279"/>
         </pc:sldMkLst>
-        <pc:spChg chg="mod">
-          <ac:chgData name="Krishna Kant Dubey" userId="cd28fa1e1902c48d" providerId="LiveId" clId="{D66E7EAC-AE87-492A-9EF6-5392BE37986D}" dt="2025-08-04T07:13:19.506" v="290" actId="207"/>
-          <ac:spMkLst>
-            <pc:docMk/>
-            <pc:sldMk cId="252878519" sldId="279"/>
-            <ac:spMk id="4" creationId="{87793DF9-2AEF-5DAC-77F9-5B39B40E8D58}"/>
-          </ac:spMkLst>
-        </pc:spChg>
       </pc:sldChg>
       <pc:sldChg chg="modSp add del mod">
         <pc:chgData name="Krishna Kant Dubey" userId="cd28fa1e1902c48d" providerId="LiveId" clId="{D66E7EAC-AE87-492A-9EF6-5392BE37986D}" dt="2025-08-04T07:16:32.848" v="291" actId="2696"/>
@@ -945,7 +848,7 @@
           <a:p>
             <a:fld id="{771BC1E5-8BD3-45A8-A8D4-BE6B8D3F526F}" type="datetimeFigureOut">
               <a:rPr lang="en-IN" smtClean="0"/>
-              <a:t>05-08-2025</a:t>
+              <a:t>11-08-2025</a:t>
             </a:fld>
             <a:endParaRPr lang="en-IN"/>
           </a:p>
@@ -1362,7 +1265,7 @@
           <a:p>
             <a:fld id="{8B8265E5-5E35-4F50-869B-ACC7CF337DF9}" type="datetimeFigureOut">
               <a:rPr lang="en-IN" smtClean="0"/>
-              <a:t>05-08-2025</a:t>
+              <a:t>11-08-2025</a:t>
             </a:fld>
             <a:endParaRPr lang="en-IN"/>
           </a:p>
@@ -1562,7 +1465,7 @@
           <a:p>
             <a:fld id="{8B8265E5-5E35-4F50-869B-ACC7CF337DF9}" type="datetimeFigureOut">
               <a:rPr lang="en-IN" smtClean="0"/>
-              <a:t>05-08-2025</a:t>
+              <a:t>11-08-2025</a:t>
             </a:fld>
             <a:endParaRPr lang="en-IN"/>
           </a:p>
@@ -1772,7 +1675,7 @@
           <a:p>
             <a:fld id="{8B8265E5-5E35-4F50-869B-ACC7CF337DF9}" type="datetimeFigureOut">
               <a:rPr lang="en-IN" smtClean="0"/>
-              <a:t>05-08-2025</a:t>
+              <a:t>11-08-2025</a:t>
             </a:fld>
             <a:endParaRPr lang="en-IN"/>
           </a:p>
@@ -1972,7 +1875,7 @@
           <a:p>
             <a:fld id="{8B8265E5-5E35-4F50-869B-ACC7CF337DF9}" type="datetimeFigureOut">
               <a:rPr lang="en-IN" smtClean="0"/>
-              <a:t>05-08-2025</a:t>
+              <a:t>11-08-2025</a:t>
             </a:fld>
             <a:endParaRPr lang="en-IN"/>
           </a:p>
@@ -2248,7 +2151,7 @@
           <a:p>
             <a:fld id="{8B8265E5-5E35-4F50-869B-ACC7CF337DF9}" type="datetimeFigureOut">
               <a:rPr lang="en-IN" smtClean="0"/>
-              <a:t>05-08-2025</a:t>
+              <a:t>11-08-2025</a:t>
             </a:fld>
             <a:endParaRPr lang="en-IN"/>
           </a:p>
@@ -2516,7 +2419,7 @@
           <a:p>
             <a:fld id="{8B8265E5-5E35-4F50-869B-ACC7CF337DF9}" type="datetimeFigureOut">
               <a:rPr lang="en-IN" smtClean="0"/>
-              <a:t>05-08-2025</a:t>
+              <a:t>11-08-2025</a:t>
             </a:fld>
             <a:endParaRPr lang="en-IN"/>
           </a:p>
@@ -2931,7 +2834,7 @@
           <a:p>
             <a:fld id="{8B8265E5-5E35-4F50-869B-ACC7CF337DF9}" type="datetimeFigureOut">
               <a:rPr lang="en-IN" smtClean="0"/>
-              <a:t>05-08-2025</a:t>
+              <a:t>11-08-2025</a:t>
             </a:fld>
             <a:endParaRPr lang="en-IN"/>
           </a:p>
@@ -3073,7 +2976,7 @@
           <a:p>
             <a:fld id="{8B8265E5-5E35-4F50-869B-ACC7CF337DF9}" type="datetimeFigureOut">
               <a:rPr lang="en-IN" smtClean="0"/>
-              <a:t>05-08-2025</a:t>
+              <a:t>11-08-2025</a:t>
             </a:fld>
             <a:endParaRPr lang="en-IN"/>
           </a:p>
@@ -3186,7 +3089,7 @@
           <a:p>
             <a:fld id="{8B8265E5-5E35-4F50-869B-ACC7CF337DF9}" type="datetimeFigureOut">
               <a:rPr lang="en-IN" smtClean="0"/>
-              <a:t>05-08-2025</a:t>
+              <a:t>11-08-2025</a:t>
             </a:fld>
             <a:endParaRPr lang="en-IN"/>
           </a:p>
@@ -3499,7 +3402,7 @@
           <a:p>
             <a:fld id="{8B8265E5-5E35-4F50-869B-ACC7CF337DF9}" type="datetimeFigureOut">
               <a:rPr lang="en-IN" smtClean="0"/>
-              <a:t>05-08-2025</a:t>
+              <a:t>11-08-2025</a:t>
             </a:fld>
             <a:endParaRPr lang="en-IN"/>
           </a:p>
@@ -3788,7 +3691,7 @@
           <a:p>
             <a:fld id="{8B8265E5-5E35-4F50-869B-ACC7CF337DF9}" type="datetimeFigureOut">
               <a:rPr lang="en-IN" smtClean="0"/>
-              <a:t>05-08-2025</a:t>
+              <a:t>11-08-2025</a:t>
             </a:fld>
             <a:endParaRPr lang="en-IN"/>
           </a:p>
@@ -4031,7 +3934,7 @@
           <a:p>
             <a:fld id="{8B8265E5-5E35-4F50-869B-ACC7CF337DF9}" type="datetimeFigureOut">
               <a:rPr lang="en-IN" smtClean="0"/>
-              <a:t>05-08-2025</a:t>
+              <a:t>11-08-2025</a:t>
             </a:fld>
             <a:endParaRPr lang="en-IN"/>
           </a:p>
@@ -4580,6 +4483,41 @@
           </a:p>
         </p:txBody>
       </p:sp>
+      <p:pic>
+        <p:nvPicPr>
+          <p:cNvPr id="3" name="Content Placeholder 4">
+            <a:extLst>
+              <a:ext uri="{FF2B5EF4-FFF2-40B4-BE49-F238E27FC236}">
+                <a16:creationId xmlns:a16="http://schemas.microsoft.com/office/drawing/2014/main" id="{49D86A38-3EE8-3EE8-6AF2-C0DB66DB3443}"/>
+              </a:ext>
+            </a:extLst>
+          </p:cNvPr>
+          <p:cNvPicPr>
+            <a:picLocks noGrp="1" noChangeAspect="1"/>
+          </p:cNvPicPr>
+          <p:nvPr/>
+        </p:nvPicPr>
+        <p:blipFill>
+          <a:blip r:embed="rId4">
+            <a:extLst>
+              <a:ext uri="{28A0092B-C50C-407E-A947-70E740481C1C}">
+                <a14:useLocalDpi xmlns:a14="http://schemas.microsoft.com/office/drawing/2010/main" val="0"/>
+              </a:ext>
+            </a:extLst>
+          </a:blip>
+          <a:srcRect/>
+          <a:stretch/>
+        </p:blipFill>
+        <p:spPr>
+          <a:xfrm>
+            <a:off x="-3047" y="0"/>
+            <a:ext cx="12198095" cy="6858000"/>
+          </a:xfrm>
+          <a:prstGeom prst="rect">
+            <a:avLst/>
+          </a:prstGeom>
+        </p:spPr>
+      </p:pic>
     </p:spTree>
     <p:extLst>
       <p:ext uri="{BB962C8B-B14F-4D97-AF65-F5344CB8AC3E}">
